--- a/neuralito/ArfGen/docs/Entregas/Informe Final/presentacion/esteban2.pptx
+++ b/neuralito/ArfGen/docs/Entregas/Informe Final/presentacion/esteban2.pptx
@@ -219,7 +219,8 @@
           <a:p>
             <a:fld id="{696DCB67-F52D-427E-B2A9-D12B91631011}" type="datetimeFigureOut">
               <a:rPr lang="es-ES" smtClean="0"/>
-              <a:t>19/08/2010</a:t>
+              <a:pPr/>
+              <a:t>21/08/2010</a:t>
             </a:fld>
             <a:endParaRPr lang="es-ES"/>
           </a:p>
@@ -380,7 +381,8 @@
           <a:p>
             <a:fld id="{F3996857-7770-4004-BB6B-C8DD969BB821}" type="slidenum">
               <a:rPr lang="es-ES" smtClean="0"/>
-              <a:t>‹Nº›</a:t>
+              <a:pPr/>
+              <a:t>‹#›</a:t>
             </a:fld>
             <a:endParaRPr lang="es-ES"/>
           </a:p>
@@ -18253,7 +18255,7 @@
             <a:fld id="{47C9B81F-C347-4BEF-BFDF-29C42F48304A}" type="datetimeFigureOut">
               <a:rPr lang="en-US" smtClean="0"/>
               <a:pPr/>
-              <a:t>8/19/2010</a:t>
+              <a:t>8/21/2010</a:t>
             </a:fld>
             <a:endParaRPr lang="en-US"/>
           </a:p>
@@ -18296,7 +18298,7 @@
             <a:fld id="{042AED99-7FB4-404E-8A97-64753DCE42EC}" type="slidenum">
               <a:rPr kumimoji="0" lang="en-US" smtClean="0"/>
               <a:pPr/>
-              <a:t>‹Nº›</a:t>
+              <a:t>‹#›</a:t>
             </a:fld>
             <a:endParaRPr kumimoji="0" lang="en-US"/>
           </a:p>
@@ -18420,7 +18422,7 @@
             <a:fld id="{47C9B81F-C347-4BEF-BFDF-29C42F48304A}" type="datetimeFigureOut">
               <a:rPr lang="en-US" smtClean="0"/>
               <a:pPr/>
-              <a:t>8/19/2010</a:t>
+              <a:t>8/21/2010</a:t>
             </a:fld>
             <a:endParaRPr lang="en-US"/>
           </a:p>
@@ -18463,7 +18465,7 @@
             <a:fld id="{042AED99-7FB4-404E-8A97-64753DCE42EC}" type="slidenum">
               <a:rPr kumimoji="0" lang="en-US" smtClean="0"/>
               <a:pPr/>
-              <a:t>‹Nº›</a:t>
+              <a:t>‹#›</a:t>
             </a:fld>
             <a:endParaRPr kumimoji="0" lang="en-US"/>
           </a:p>
@@ -18597,7 +18599,7 @@
             <a:fld id="{47C9B81F-C347-4BEF-BFDF-29C42F48304A}" type="datetimeFigureOut">
               <a:rPr lang="en-US" smtClean="0"/>
               <a:pPr/>
-              <a:t>8/19/2010</a:t>
+              <a:t>8/21/2010</a:t>
             </a:fld>
             <a:endParaRPr lang="en-US"/>
           </a:p>
@@ -18640,7 +18642,7 @@
             <a:fld id="{042AED99-7FB4-404E-8A97-64753DCE42EC}" type="slidenum">
               <a:rPr kumimoji="0" lang="en-US" smtClean="0"/>
               <a:pPr/>
-              <a:t>‹Nº›</a:t>
+              <a:t>‹#›</a:t>
             </a:fld>
             <a:endParaRPr kumimoji="0" lang="en-US"/>
           </a:p>
@@ -18764,7 +18766,7 @@
             <a:fld id="{47C9B81F-C347-4BEF-BFDF-29C42F48304A}" type="datetimeFigureOut">
               <a:rPr lang="en-US" smtClean="0"/>
               <a:pPr/>
-              <a:t>8/19/2010</a:t>
+              <a:t>8/21/2010</a:t>
             </a:fld>
             <a:endParaRPr lang="en-US"/>
           </a:p>
@@ -18807,7 +18809,7 @@
             <a:fld id="{042AED99-7FB4-404E-8A97-64753DCE42EC}" type="slidenum">
               <a:rPr kumimoji="0" lang="en-US" smtClean="0"/>
               <a:pPr/>
-              <a:t>‹Nº›</a:t>
+              <a:t>‹#›</a:t>
             </a:fld>
             <a:endParaRPr kumimoji="0" lang="en-US"/>
           </a:p>
@@ -19008,7 +19010,7 @@
             <a:fld id="{47C9B81F-C347-4BEF-BFDF-29C42F48304A}" type="datetimeFigureOut">
               <a:rPr lang="en-US" smtClean="0"/>
               <a:pPr/>
-              <a:t>8/19/2010</a:t>
+              <a:t>8/21/2010</a:t>
             </a:fld>
             <a:endParaRPr lang="en-US"/>
           </a:p>
@@ -19051,7 +19053,7 @@
             <a:fld id="{042AED99-7FB4-404E-8A97-64753DCE42EC}" type="slidenum">
               <a:rPr kumimoji="0" lang="en-US" smtClean="0"/>
               <a:pPr/>
-              <a:t>‹Nº›</a:t>
+              <a:t>‹#›</a:t>
             </a:fld>
             <a:endParaRPr kumimoji="0" lang="en-US"/>
           </a:p>
@@ -19274,7 +19276,7 @@
             <a:fld id="{47C9B81F-C347-4BEF-BFDF-29C42F48304A}" type="datetimeFigureOut">
               <a:rPr lang="en-US" smtClean="0"/>
               <a:pPr/>
-              <a:t>8/19/2010</a:t>
+              <a:t>8/21/2010</a:t>
             </a:fld>
             <a:endParaRPr lang="en-US"/>
           </a:p>
@@ -19317,7 +19319,7 @@
             <a:fld id="{042AED99-7FB4-404E-8A97-64753DCE42EC}" type="slidenum">
               <a:rPr kumimoji="0" lang="en-US" smtClean="0"/>
               <a:pPr/>
-              <a:t>‹Nº›</a:t>
+              <a:t>‹#›</a:t>
             </a:fld>
             <a:endParaRPr kumimoji="0" lang="en-US"/>
           </a:p>
@@ -19654,7 +19656,7 @@
             <a:fld id="{47C9B81F-C347-4BEF-BFDF-29C42F48304A}" type="datetimeFigureOut">
               <a:rPr lang="en-US" smtClean="0"/>
               <a:pPr/>
-              <a:t>8/19/2010</a:t>
+              <a:t>8/21/2010</a:t>
             </a:fld>
             <a:endParaRPr lang="en-US"/>
           </a:p>
@@ -19697,7 +19699,7 @@
             <a:fld id="{042AED99-7FB4-404E-8A97-64753DCE42EC}" type="slidenum">
               <a:rPr kumimoji="0" lang="en-US" smtClean="0"/>
               <a:pPr/>
-              <a:t>‹Nº›</a:t>
+              <a:t>‹#›</a:t>
             </a:fld>
             <a:endParaRPr kumimoji="0" lang="en-US"/>
           </a:p>
@@ -19806,7 +19808,7 @@
             <a:fld id="{47C9B81F-C347-4BEF-BFDF-29C42F48304A}" type="datetimeFigureOut">
               <a:rPr lang="en-US" smtClean="0"/>
               <a:pPr/>
-              <a:t>8/19/2010</a:t>
+              <a:t>8/21/2010</a:t>
             </a:fld>
             <a:endParaRPr lang="en-US"/>
           </a:p>
@@ -19849,7 +19851,7 @@
             <a:fld id="{042AED99-7FB4-404E-8A97-64753DCE42EC}" type="slidenum">
               <a:rPr kumimoji="0" lang="en-US" smtClean="0"/>
               <a:pPr/>
-              <a:t>‹Nº›</a:t>
+              <a:t>‹#›</a:t>
             </a:fld>
             <a:endParaRPr kumimoji="0" lang="en-US"/>
           </a:p>
@@ -19898,7 +19900,7 @@
             <a:fld id="{47C9B81F-C347-4BEF-BFDF-29C42F48304A}" type="datetimeFigureOut">
               <a:rPr lang="en-US" smtClean="0"/>
               <a:pPr/>
-              <a:t>8/19/2010</a:t>
+              <a:t>8/21/2010</a:t>
             </a:fld>
             <a:endParaRPr lang="en-US"/>
           </a:p>
@@ -19941,7 +19943,7 @@
             <a:fld id="{042AED99-7FB4-404E-8A97-64753DCE42EC}" type="slidenum">
               <a:rPr kumimoji="0" lang="en-US" smtClean="0"/>
               <a:pPr/>
-              <a:t>‹Nº›</a:t>
+              <a:t>‹#›</a:t>
             </a:fld>
             <a:endParaRPr kumimoji="0" lang="en-US"/>
           </a:p>
@@ -20161,7 +20163,7 @@
             <a:fld id="{47C9B81F-C347-4BEF-BFDF-29C42F48304A}" type="datetimeFigureOut">
               <a:rPr lang="en-US" smtClean="0"/>
               <a:pPr/>
-              <a:t>8/19/2010</a:t>
+              <a:t>8/21/2010</a:t>
             </a:fld>
             <a:endParaRPr lang="en-US"/>
           </a:p>
@@ -20204,7 +20206,7 @@
             <a:fld id="{042AED99-7FB4-404E-8A97-64753DCE42EC}" type="slidenum">
               <a:rPr kumimoji="0" lang="en-US" smtClean="0"/>
               <a:pPr/>
-              <a:t>‹Nº›</a:t>
+              <a:t>‹#›</a:t>
             </a:fld>
             <a:endParaRPr kumimoji="0" lang="en-US"/>
           </a:p>
@@ -20451,7 +20453,7 @@
             <a:fld id="{47C9B81F-C347-4BEF-BFDF-29C42F48304A}" type="datetimeFigureOut">
               <a:rPr lang="en-US" smtClean="0"/>
               <a:pPr/>
-              <a:t>8/19/2010</a:t>
+              <a:t>8/21/2010</a:t>
             </a:fld>
             <a:endParaRPr lang="en-US"/>
           </a:p>
@@ -20499,7 +20501,7 @@
             <a:fld id="{042AED99-7FB4-404E-8A97-64753DCE42EC}" type="slidenum">
               <a:rPr kumimoji="0" lang="en-US" smtClean="0"/>
               <a:pPr/>
-              <a:t>‹Nº›</a:t>
+              <a:t>‹#›</a:t>
             </a:fld>
             <a:endParaRPr kumimoji="0" lang="en-US"/>
           </a:p>
@@ -21224,7 +21226,7 @@
             <a:fld id="{47C9B81F-C347-4BEF-BFDF-29C42F48304A}" type="datetimeFigureOut">
               <a:rPr lang="en-US" smtClean="0"/>
               <a:pPr/>
-              <a:t>8/19/2010</a:t>
+              <a:t>8/21/2010</a:t>
             </a:fld>
             <a:endParaRPr lang="en-US" dirty="0">
               <a:solidFill>
@@ -21316,7 +21318,7 @@
             <a:fld id="{042AED99-7FB4-404E-8A97-64753DCE42EC}" type="slidenum">
               <a:rPr kumimoji="0" lang="en-US" smtClean="0"/>
               <a:pPr/>
-              <a:t>‹Nº›</a:t>
+              <a:t>‹#›</a:t>
             </a:fld>
             <a:endParaRPr kumimoji="0" lang="en-US" dirty="0">
               <a:solidFill>
@@ -21912,13 +21914,7 @@
               <a:rPr lang="es-ES_tradnl" dirty="0" smtClean="0">
                 <a:latin typeface="+mj-lt"/>
               </a:rPr>
-              <a:t>Un enfoque para predicción del oleaje basado en análisis de regresión con técnicas de aprendizaje </a:t>
-            </a:r>
-            <a:r>
-              <a:rPr lang="es-ES_tradnl" dirty="0" smtClean="0">
-                <a:latin typeface="+mj-lt"/>
-              </a:rPr>
-              <a:t>supervisado</a:t>
+              <a:t>Un enfoque para predicción del oleaje basado en análisis de regresión con técnicas de aprendizaje supervisado</a:t>
             </a:r>
             <a:r>
               <a:rPr lang="en-US" dirty="0" smtClean="0">
@@ -21991,11 +21987,7 @@
             </a:r>
             <a:r>
               <a:rPr lang="en-US" dirty="0" smtClean="0"/>
-              <a:t> </a:t>
-            </a:r>
-            <a:r>
-              <a:rPr lang="en-US" dirty="0" smtClean="0"/>
-              <a:t>(3)</a:t>
+              <a:t> (3)</a:t>
             </a:r>
             <a:endParaRPr lang="es-AR" dirty="0"/>
           </a:p>
@@ -22231,7 +22223,7 @@
         <p:spPr>
           <a:xfrm>
             <a:off x="285720" y="2000240"/>
-            <a:ext cx="6221960" cy="523220"/>
+            <a:ext cx="5995296" cy="523220"/>
           </a:xfrm>
           <a:prstGeom prst="rect">
             <a:avLst/>
@@ -22260,7 +22252,7 @@
               <a:rPr lang="en-US" sz="2800" dirty="0" err="1" smtClean="0">
                 <a:latin typeface="+mj-lt"/>
               </a:rPr>
-              <a:t>prediccion</a:t>
+              <a:t>predicción</a:t>
             </a:r>
             <a:r>
               <a:rPr lang="en-US" sz="2800" dirty="0" smtClean="0">
@@ -22509,7 +22501,7 @@
               <a:rPr lang="en-US" sz="2000" dirty="0" err="1" smtClean="0">
                 <a:latin typeface="+mj-lt"/>
               </a:rPr>
-              <a:t>batimetria</a:t>
+              <a:t>batimetría</a:t>
             </a:r>
             <a:endParaRPr lang="en-US" sz="2000" dirty="0" smtClean="0">
               <a:latin typeface="+mj-lt"/>
@@ -22533,7 +22525,7 @@
               <a:rPr lang="en-US" sz="2000" dirty="0" err="1" smtClean="0">
                 <a:latin typeface="+mj-lt"/>
               </a:rPr>
-              <a:t>Parametrizacion</a:t>
+              <a:t>Parametrización</a:t>
             </a:r>
             <a:r>
               <a:rPr lang="en-US" sz="2000" dirty="0" smtClean="0">
@@ -22945,13 +22937,19 @@
               <a:rPr lang="en-US" sz="2800" dirty="0" err="1" smtClean="0">
                 <a:latin typeface="+mj-lt"/>
               </a:rPr>
-              <a:t>automaticamente</a:t>
+              <a:t>automáticamente</a:t>
             </a:r>
             <a:r>
               <a:rPr lang="en-US" sz="2800" dirty="0" smtClean="0">
                 <a:latin typeface="+mj-lt"/>
               </a:rPr>
-              <a:t> a </a:t>
+              <a:t> </a:t>
+            </a:r>
+            <a:r>
+              <a:rPr lang="en-US" sz="2800" dirty="0" smtClean="0">
+                <a:latin typeface="+mj-lt"/>
+              </a:rPr>
+              <a:t>a </a:t>
             </a:r>
             <a:r>
               <a:rPr lang="en-US" sz="2800" dirty="0" err="1" smtClean="0">
@@ -23116,11 +23114,7 @@
             </a:r>
             <a:r>
               <a:rPr lang="en-US" dirty="0" smtClean="0"/>
-              <a:t> </a:t>
-            </a:r>
-            <a:r>
-              <a:rPr lang="en-US" dirty="0" smtClean="0"/>
-              <a:t>(2)</a:t>
+              <a:t> (2)</a:t>
             </a:r>
             <a:endParaRPr lang="es-AR" dirty="0"/>
           </a:p>
@@ -23762,11 +23756,7 @@
             </a:r>
             <a:r>
               <a:rPr lang="en-US" dirty="0" smtClean="0"/>
-              <a:t> </a:t>
-            </a:r>
-            <a:r>
-              <a:rPr lang="en-US" dirty="0" smtClean="0"/>
-              <a:t>(3)</a:t>
+              <a:t> (3)</a:t>
             </a:r>
             <a:endParaRPr lang="es-AR" dirty="0"/>
           </a:p>
@@ -24316,31 +24306,43 @@
               <a:rPr lang="en-US" dirty="0" err="1" smtClean="0">
                 <a:latin typeface="+mj-lt"/>
               </a:rPr>
-              <a:t>Algoritmo</a:t>
+              <a:t>Á</a:t>
+            </a:r>
+            <a:r>
+              <a:rPr lang="en-US" dirty="0" err="1" smtClean="0">
+                <a:latin typeface="+mj-lt"/>
+              </a:rPr>
+              <a:t>lgoritmo</a:t>
             </a:r>
             <a:r>
               <a:rPr lang="en-US" dirty="0" smtClean="0">
                 <a:latin typeface="+mj-lt"/>
               </a:rPr>
+              <a:t> </a:t>
+            </a:r>
+            <a:r>
+              <a:rPr lang="en-US" dirty="0" smtClean="0">
+                <a:latin typeface="+mj-lt"/>
+              </a:rPr>
+              <a:t>de </a:t>
+            </a:r>
+            <a:r>
+              <a:rPr lang="en-US" dirty="0" err="1" smtClean="0">
+                <a:latin typeface="+mj-lt"/>
+              </a:rPr>
+              <a:t>Aprendizaje</a:t>
+            </a:r>
+            <a:r>
+              <a:rPr lang="en-US" dirty="0" smtClean="0">
+                <a:latin typeface="+mj-lt"/>
+              </a:rPr>
               <a:t> de </a:t>
             </a:r>
             <a:r>
               <a:rPr lang="en-US" dirty="0" err="1" smtClean="0">
                 <a:latin typeface="+mj-lt"/>
               </a:rPr>
-              <a:t>Aprendizaje</a:t>
-            </a:r>
-            <a:r>
-              <a:rPr lang="en-US" dirty="0" smtClean="0">
-                <a:latin typeface="+mj-lt"/>
-              </a:rPr>
-              <a:t> de </a:t>
-            </a:r>
-            <a:r>
-              <a:rPr lang="en-US" dirty="0" err="1" smtClean="0">
-                <a:latin typeface="+mj-lt"/>
-              </a:rPr>
-              <a:t>Maquina</a:t>
+              <a:t>Máquina</a:t>
             </a:r>
             <a:endParaRPr lang="es-AR" dirty="0">
               <a:latin typeface="+mj-lt"/>
@@ -24524,11 +24526,7 @@
             </a:r>
             <a:r>
               <a:rPr lang="en-US" dirty="0" smtClean="0"/>
-              <a:t> </a:t>
-            </a:r>
-            <a:r>
-              <a:rPr lang="en-US" dirty="0" smtClean="0"/>
-              <a:t>(4)</a:t>
+              <a:t> (4)</a:t>
             </a:r>
             <a:endParaRPr lang="es-AR" dirty="0"/>
           </a:p>
@@ -25368,11 +25366,7 @@
             </a:r>
             <a:r>
               <a:rPr lang="en-US" dirty="0" smtClean="0"/>
-              <a:t> </a:t>
-            </a:r>
-            <a:r>
-              <a:rPr lang="en-US" dirty="0" smtClean="0"/>
-              <a:t>(5)</a:t>
+              <a:t> (5)</a:t>
             </a:r>
             <a:endParaRPr lang="es-AR" dirty="0"/>
           </a:p>
@@ -25863,7 +25857,7 @@
                         <a:rPr lang="en-US" dirty="0" err="1" smtClean="0">
                           <a:latin typeface="+mj-lt"/>
                         </a:rPr>
-                        <a:t>Prediccion</a:t>
+                        <a:t>Predicción</a:t>
                       </a:r>
                       <a:endParaRPr lang="es-AR" dirty="0">
                         <a:latin typeface="+mj-lt"/>
@@ -26296,7 +26290,7 @@
               <a:rPr lang="en-US" dirty="0" err="1" smtClean="0">
                 <a:latin typeface="+mj-lt"/>
               </a:rPr>
-              <a:t>regresion</a:t>
+              <a:t>regresión</a:t>
             </a:r>
             <a:r>
               <a:rPr lang="en-US" dirty="0" smtClean="0">
@@ -26455,7 +26449,7 @@
               <a:rPr lang="en-US" dirty="0" err="1" smtClean="0">
                 <a:latin typeface="+mj-lt"/>
               </a:rPr>
-              <a:t>clasificacion</a:t>
+              <a:t>clasificación</a:t>
             </a:r>
             <a:r>
               <a:rPr lang="en-US" dirty="0" smtClean="0">
@@ -26470,11 +26464,14 @@
               <a:buChar char="•"/>
             </a:pPr>
             <a:r>
-              <a:rPr lang="en-US" dirty="0" smtClean="0">
-                <a:latin typeface="+mj-lt"/>
-              </a:rPr>
-              <a:t>Precision</a:t>
-            </a:r>
+              <a:rPr lang="en-US" dirty="0" err="1" smtClean="0">
+                <a:latin typeface="+mj-lt"/>
+              </a:rPr>
+              <a:t>Precisión</a:t>
+            </a:r>
+            <a:endParaRPr lang="en-US" dirty="0" smtClean="0">
+              <a:latin typeface="+mj-lt"/>
+            </a:endParaRPr>
           </a:p>
           <a:p>
             <a:pPr>
@@ -26569,11 +26566,7 @@
             </a:r>
             <a:r>
               <a:rPr lang="en-US" dirty="0" smtClean="0"/>
-              <a:t> </a:t>
-            </a:r>
-            <a:r>
-              <a:rPr lang="en-US" dirty="0" smtClean="0"/>
-              <a:t>(6)</a:t>
+              <a:t> (6)</a:t>
             </a:r>
             <a:endParaRPr lang="es-AR" dirty="0"/>
           </a:p>
@@ -26942,11 +26935,7 @@
             </a:r>
             <a:r>
               <a:rPr lang="en-US" dirty="0" smtClean="0"/>
-              <a:t> (</a:t>
-            </a:r>
-            <a:r>
-              <a:rPr lang="en-US" dirty="0" smtClean="0"/>
-              <a:t>1)</a:t>
+              <a:t> (1)</a:t>
             </a:r>
             <a:endParaRPr lang="es-AR" dirty="0"/>
           </a:p>
@@ -26971,55 +26960,61 @@
               <a:rPr lang="en-US" dirty="0" err="1" smtClean="0">
                 <a:latin typeface="+mj-lt"/>
               </a:rPr>
-              <a:t>Prediccion</a:t>
+              <a:t>Predicción</a:t>
             </a:r>
             <a:r>
               <a:rPr lang="en-US" dirty="0" smtClean="0">
                 <a:latin typeface="+mj-lt"/>
               </a:rPr>
+              <a:t> </a:t>
+            </a:r>
+            <a:r>
+              <a:rPr lang="en-US" dirty="0" smtClean="0">
+                <a:latin typeface="+mj-lt"/>
+              </a:rPr>
+              <a:t>de </a:t>
+            </a:r>
+            <a:r>
+              <a:rPr lang="en-US" dirty="0" err="1" smtClean="0">
+                <a:latin typeface="+mj-lt"/>
+              </a:rPr>
+              <a:t>oleaje</a:t>
+            </a:r>
+            <a:r>
+              <a:rPr lang="en-US" dirty="0" smtClean="0">
+                <a:latin typeface="+mj-lt"/>
+              </a:rPr>
+              <a:t> </a:t>
+            </a:r>
+            <a:r>
+              <a:rPr lang="en-US" dirty="0" err="1" smtClean="0">
+                <a:latin typeface="+mj-lt"/>
+              </a:rPr>
+              <a:t>utilizando</a:t>
+            </a:r>
+            <a:r>
+              <a:rPr lang="en-US" dirty="0" smtClean="0">
+                <a:latin typeface="+mj-lt"/>
+              </a:rPr>
+              <a:t> </a:t>
+            </a:r>
+            <a:r>
+              <a:rPr lang="en-US" dirty="0" err="1" smtClean="0">
+                <a:latin typeface="+mj-lt"/>
+              </a:rPr>
+              <a:t>Aprendizaje</a:t>
+            </a:r>
+            <a:r>
+              <a:rPr lang="en-US" dirty="0" smtClean="0">
+                <a:latin typeface="+mj-lt"/>
+              </a:rPr>
               <a:t> de </a:t>
             </a:r>
             <a:r>
               <a:rPr lang="en-US" dirty="0" err="1" smtClean="0">
                 <a:latin typeface="+mj-lt"/>
               </a:rPr>
-              <a:t>oleaje</a:t>
-            </a:r>
-            <a:r>
-              <a:rPr lang="en-US" dirty="0" smtClean="0">
-                <a:latin typeface="+mj-lt"/>
-              </a:rPr>
-              <a:t> </a:t>
-            </a:r>
-            <a:r>
-              <a:rPr lang="en-US" dirty="0" err="1" smtClean="0">
-                <a:latin typeface="+mj-lt"/>
-              </a:rPr>
-              <a:t>utilizando</a:t>
-            </a:r>
-            <a:r>
-              <a:rPr lang="en-US" dirty="0" smtClean="0">
-                <a:latin typeface="+mj-lt"/>
-              </a:rPr>
-              <a:t> </a:t>
-            </a:r>
-            <a:r>
-              <a:rPr lang="en-US" dirty="0" err="1" smtClean="0">
-                <a:latin typeface="+mj-lt"/>
-              </a:rPr>
-              <a:t>Aprendizaje</a:t>
-            </a:r>
-            <a:r>
-              <a:rPr lang="en-US" dirty="0" smtClean="0">
-                <a:latin typeface="+mj-lt"/>
-              </a:rPr>
-              <a:t> de </a:t>
-            </a:r>
-            <a:r>
-              <a:rPr lang="en-US" dirty="0" err="1" smtClean="0">
-                <a:latin typeface="+mj-lt"/>
-              </a:rPr>
-              <a:t>Maquina</a:t>
+              <a:t>Máquina</a:t>
             </a:r>
             <a:r>
               <a:rPr lang="en-US" dirty="0" smtClean="0">
@@ -27044,9 +27039,6 @@
               </a:rPr>
               <a:t>	</a:t>
             </a:r>
-            <a:endParaRPr lang="en-US" dirty="0" smtClean="0">
-              <a:latin typeface="+mj-lt"/>
-            </a:endParaRPr>
           </a:p>
           <a:p>
             <a:pPr>
@@ -27128,13 +27120,25 @@
               <a:rPr lang="en-US" dirty="0" err="1" smtClean="0">
                 <a:latin typeface="+mj-lt"/>
               </a:rPr>
-              <a:t>Algoritmo</a:t>
+              <a:t>Á</a:t>
+            </a:r>
+            <a:r>
+              <a:rPr lang="en-US" dirty="0" err="1" smtClean="0">
+                <a:latin typeface="+mj-lt"/>
+              </a:rPr>
+              <a:t>lgoritmo</a:t>
             </a:r>
             <a:r>
               <a:rPr lang="en-US" dirty="0" smtClean="0">
                 <a:latin typeface="+mj-lt"/>
               </a:rPr>
-              <a:t> de </a:t>
+              <a:t> </a:t>
+            </a:r>
+            <a:r>
+              <a:rPr lang="en-US" dirty="0" smtClean="0">
+                <a:latin typeface="+mj-lt"/>
+              </a:rPr>
+              <a:t>de </a:t>
             </a:r>
             <a:r>
               <a:rPr lang="en-US" dirty="0" err="1" smtClean="0">
@@ -27963,11 +27967,7 @@
             </a:r>
             <a:r>
               <a:rPr lang="en-US" dirty="0" smtClean="0"/>
-              <a:t> (</a:t>
-            </a:r>
-            <a:r>
-              <a:rPr lang="en-US" dirty="0" smtClean="0"/>
-              <a:t>2)</a:t>
+              <a:t> (2)</a:t>
             </a:r>
             <a:endParaRPr lang="es-AR" dirty="0"/>
           </a:p>
@@ -27992,13 +27992,19 @@
               <a:rPr lang="en-US" dirty="0" err="1" smtClean="0">
                 <a:latin typeface="+mj-lt"/>
               </a:rPr>
-              <a:t>Prediccion</a:t>
+              <a:t>Predicción</a:t>
             </a:r>
             <a:r>
               <a:rPr lang="en-US" dirty="0" smtClean="0">
                 <a:latin typeface="+mj-lt"/>
               </a:rPr>
-              <a:t> de </a:t>
+              <a:t> </a:t>
+            </a:r>
+            <a:r>
+              <a:rPr lang="en-US" dirty="0" smtClean="0">
+                <a:latin typeface="+mj-lt"/>
+              </a:rPr>
+              <a:t>de </a:t>
             </a:r>
             <a:r>
               <a:rPr lang="en-US" dirty="0" err="1" smtClean="0">
@@ -28016,13 +28022,19 @@
               <a:rPr lang="en-US" dirty="0" err="1" smtClean="0">
                 <a:latin typeface="+mj-lt"/>
               </a:rPr>
-              <a:t>cercania</a:t>
+              <a:t>cercanía</a:t>
             </a:r>
             <a:r>
               <a:rPr lang="en-US" dirty="0" smtClean="0">
                 <a:latin typeface="+mj-lt"/>
               </a:rPr>
-              <a:t> de la </a:t>
+              <a:t> </a:t>
+            </a:r>
+            <a:r>
+              <a:rPr lang="en-US" dirty="0" smtClean="0">
+                <a:latin typeface="+mj-lt"/>
+              </a:rPr>
+              <a:t>de la </a:t>
             </a:r>
             <a:r>
               <a:rPr lang="en-US" dirty="0" err="1" smtClean="0">
@@ -28618,11 +28630,7 @@
             </a:r>
             <a:r>
               <a:rPr lang="en-US" dirty="0" smtClean="0"/>
-              <a:t> (</a:t>
-            </a:r>
-            <a:r>
-              <a:rPr lang="en-US" dirty="0" smtClean="0"/>
-              <a:t>3)</a:t>
+              <a:t> (3)</a:t>
             </a:r>
             <a:endParaRPr lang="es-AR" dirty="0"/>
           </a:p>
@@ -28655,48 +28663,72 @@
               <a:t>Comparar el rendimiento de diferentes algoritmos de </a:t>
             </a:r>
             <a:r>
-              <a:rPr lang="es-ES_tradnl" dirty="0" err="1" smtClean="0">
-                <a:latin typeface="+mj-lt"/>
-              </a:rPr>
-              <a:t>regresion</a:t>
-            </a:r>
-            <a:r>
               <a:rPr lang="es-ES_tradnl" dirty="0" smtClean="0">
                 <a:latin typeface="+mj-lt"/>
               </a:rPr>
-              <a:t> para un caso de estudio especifico.</a:t>
-            </a:r>
-          </a:p>
-          <a:p>
+              <a:t>regresión </a:t>
+            </a:r>
             <a:r>
               <a:rPr lang="es-ES_tradnl" dirty="0" smtClean="0">
                 <a:latin typeface="+mj-lt"/>
               </a:rPr>
+              <a:t>para un caso de estudio </a:t>
+            </a:r>
+            <a:r>
+              <a:rPr lang="es-ES_tradnl" dirty="0" smtClean="0">
+                <a:latin typeface="+mj-lt"/>
+              </a:rPr>
+              <a:t>específico</a:t>
+            </a:r>
+            <a:r>
+              <a:rPr lang="es-ES_tradnl" dirty="0" smtClean="0">
+                <a:latin typeface="+mj-lt"/>
+              </a:rPr>
+              <a:t>.</a:t>
+            </a:r>
+          </a:p>
+          <a:p>
+            <a:r>
+              <a:rPr lang="es-ES_tradnl" dirty="0" smtClean="0">
+                <a:latin typeface="+mj-lt"/>
+              </a:rPr>
               <a:t>Implementación de un sistema de </a:t>
             </a:r>
             <a:r>
-              <a:rPr lang="es-ES_tradnl" dirty="0" err="1" smtClean="0">
-                <a:latin typeface="+mj-lt"/>
-              </a:rPr>
-              <a:t>prediccion</a:t>
-            </a:r>
-            <a:r>
               <a:rPr lang="es-ES_tradnl" dirty="0" smtClean="0">
                 <a:latin typeface="+mj-lt"/>
               </a:rPr>
-              <a:t> de oleaje que incorpore la mejor de las </a:t>
-            </a:r>
-            <a:r>
-              <a:rPr lang="es-ES_tradnl" dirty="0" err="1" smtClean="0">
-                <a:latin typeface="+mj-lt"/>
-              </a:rPr>
-              <a:t>tecnicas</a:t>
+              <a:t>predicción </a:t>
             </a:r>
             <a:r>
               <a:rPr lang="es-ES_tradnl" dirty="0" smtClean="0">
                 <a:latin typeface="+mj-lt"/>
               </a:rPr>
-              <a:t> de aprendizaje de maquina estudiadas.</a:t>
+              <a:t>de oleaje que incorpore la mejor de las </a:t>
+            </a:r>
+            <a:r>
+              <a:rPr lang="es-ES_tradnl" dirty="0" smtClean="0">
+                <a:latin typeface="+mj-lt"/>
+              </a:rPr>
+              <a:t>técnicas </a:t>
+            </a:r>
+            <a:r>
+              <a:rPr lang="es-ES_tradnl" dirty="0" smtClean="0">
+                <a:latin typeface="+mj-lt"/>
+              </a:rPr>
+              <a:t>de aprendizaje de </a:t>
+            </a:r>
+            <a:r>
+              <a:rPr lang="es-ES_tradnl" dirty="0" smtClean="0">
+                <a:latin typeface="+mj-lt"/>
+              </a:rPr>
+              <a:t>máquina </a:t>
+            </a:r>
+            <a:r>
+              <a:rPr lang="es-ES_tradnl" dirty="0" smtClean="0">
+                <a:latin typeface="+mj-lt"/>
+              </a:rPr>
+              <a:t>estudiadas.</a:t>
             </a:r>
           </a:p>
           <a:p>
@@ -29066,15 +29098,7 @@
             </a:r>
             <a:r>
               <a:rPr lang="en-US" dirty="0" smtClean="0"/>
-              <a:t> (</a:t>
-            </a:r>
-            <a:r>
-              <a:rPr lang="en-US" dirty="0" smtClean="0"/>
-              <a:t>1</a:t>
-            </a:r>
-            <a:r>
-              <a:rPr lang="en-US" dirty="0" smtClean="0"/>
-              <a:t>)</a:t>
+              <a:t> (1)</a:t>
             </a:r>
             <a:endParaRPr lang="es-AR" dirty="0"/>
           </a:p>
@@ -29161,9 +29185,6 @@
               </a:rPr>
               <a:t>Oahu, Hawaii </a:t>
             </a:r>
-            <a:endParaRPr lang="en-US" sz="2600" dirty="0" smtClean="0">
-              <a:latin typeface="+mj-lt"/>
-            </a:endParaRPr>
           </a:p>
           <a:p>
             <a:pPr lvl="1">
@@ -29234,43 +29255,25 @@
               <a:rPr lang="en-US" sz="2400" dirty="0" smtClean="0">
                 <a:latin typeface="+mj-lt"/>
               </a:rPr>
-              <a:t> </a:t>
+              <a:t> de </a:t>
+            </a:r>
+            <a:r>
+              <a:rPr lang="en-US" sz="2400" dirty="0" err="1" smtClean="0">
+                <a:latin typeface="+mj-lt"/>
+              </a:rPr>
+              <a:t>observaciones</a:t>
             </a:r>
             <a:r>
               <a:rPr lang="en-US" sz="2400" dirty="0" smtClean="0">
                 <a:latin typeface="+mj-lt"/>
               </a:rPr>
-              <a:t>de </a:t>
+              <a:t> </a:t>
             </a:r>
             <a:r>
               <a:rPr lang="en-US" sz="2400" dirty="0" err="1" smtClean="0">
                 <a:latin typeface="+mj-lt"/>
               </a:rPr>
-              <a:t>o</a:t>
-            </a:r>
-            <a:r>
-              <a:rPr lang="en-US" sz="2400" dirty="0" err="1" smtClean="0">
-                <a:latin typeface="+mj-lt"/>
-              </a:rPr>
-              <a:t>bservaciones</a:t>
-            </a:r>
-            <a:r>
-              <a:rPr lang="en-US" sz="2400" dirty="0" smtClean="0">
-                <a:latin typeface="+mj-lt"/>
-              </a:rPr>
-              <a:t> </a:t>
-            </a:r>
-            <a:r>
-              <a:rPr lang="en-US" sz="2400" dirty="0" err="1" smtClean="0">
-                <a:latin typeface="+mj-lt"/>
-              </a:rPr>
-              <a:t>v</a:t>
-            </a:r>
-            <a:r>
-              <a:rPr lang="en-US" sz="2400" dirty="0" err="1" smtClean="0">
-                <a:latin typeface="+mj-lt"/>
-              </a:rPr>
-              <a:t>isuales</a:t>
+              <a:t>visuales</a:t>
             </a:r>
             <a:r>
               <a:rPr lang="en-US" sz="2400" dirty="0" smtClean="0">
@@ -29377,15 +29380,7 @@
             </a:r>
             <a:r>
               <a:rPr lang="en-US" sz="4000" dirty="0" smtClean="0"/>
-              <a:t> (</a:t>
-            </a:r>
-            <a:r>
-              <a:rPr lang="en-US" sz="4000" dirty="0" smtClean="0"/>
-              <a:t>2</a:t>
-            </a:r>
-            <a:r>
-              <a:rPr lang="en-US" sz="4000" dirty="0" smtClean="0"/>
-              <a:t>)</a:t>
+              <a:t> (2)</a:t>
             </a:r>
             <a:endParaRPr lang="es-AR" sz="4000" dirty="0"/>
           </a:p>
@@ -29669,37 +29664,55 @@
               <a:rPr lang="en-US" dirty="0" err="1" smtClean="0">
                 <a:latin typeface="+mj-lt"/>
               </a:rPr>
-              <a:t>Observacion</a:t>
+              <a:t>Observación</a:t>
             </a:r>
             <a:r>
               <a:rPr lang="en-US" dirty="0" smtClean="0">
                 <a:latin typeface="+mj-lt"/>
               </a:rPr>
+              <a:t> </a:t>
+            </a:r>
+            <a:r>
+              <a:rPr lang="en-US" dirty="0" smtClean="0">
+                <a:latin typeface="+mj-lt"/>
+              </a:rPr>
+              <a:t>de la </a:t>
+            </a:r>
+            <a:r>
+              <a:rPr lang="en-US" dirty="0" err="1" smtClean="0">
+                <a:latin typeface="+mj-lt"/>
+              </a:rPr>
+              <a:t>altura</a:t>
+            </a:r>
+            <a:r>
+              <a:rPr lang="en-US" dirty="0" smtClean="0">
+                <a:latin typeface="+mj-lt"/>
+              </a:rPr>
               <a:t> de la </a:t>
             </a:r>
             <a:r>
               <a:rPr lang="en-US" dirty="0" err="1" smtClean="0">
                 <a:latin typeface="+mj-lt"/>
               </a:rPr>
-              <a:t>altura</a:t>
+              <a:t>ola</a:t>
             </a:r>
             <a:r>
               <a:rPr lang="en-US" dirty="0" smtClean="0">
                 <a:latin typeface="+mj-lt"/>
               </a:rPr>
-              <a:t> de la </a:t>
+              <a:t> </a:t>
             </a:r>
             <a:r>
               <a:rPr lang="en-US" dirty="0" err="1" smtClean="0">
                 <a:latin typeface="+mj-lt"/>
               </a:rPr>
-              <a:t>ola</a:t>
+              <a:t>máxima</a:t>
             </a:r>
             <a:r>
               <a:rPr lang="en-US" dirty="0" smtClean="0">
                 <a:latin typeface="+mj-lt"/>
               </a:rPr>
-              <a:t> maxima </a:t>
+              <a:t> </a:t>
             </a:r>
             <a:r>
               <a:rPr lang="en-US" dirty="0" err="1" smtClean="0">
@@ -29723,7 +29736,19 @@
               <a:rPr lang="en-US" dirty="0" smtClean="0">
                 <a:latin typeface="+mj-lt"/>
               </a:rPr>
-              <a:t> el dia.</a:t>
+              <a:t> el </a:t>
+            </a:r>
+            <a:r>
+              <a:rPr lang="en-US" dirty="0" err="1" smtClean="0">
+                <a:latin typeface="+mj-lt"/>
+              </a:rPr>
+              <a:t>día</a:t>
+            </a:r>
+            <a:r>
+              <a:rPr lang="en-US" dirty="0" smtClean="0">
+                <a:latin typeface="+mj-lt"/>
+              </a:rPr>
+              <a:t>.</a:t>
             </a:r>
           </a:p>
           <a:p>
@@ -29886,15 +29911,7 @@
             </a:r>
             <a:r>
               <a:rPr lang="en-US" sz="4000" dirty="0" smtClean="0"/>
-              <a:t> (</a:t>
-            </a:r>
-            <a:r>
-              <a:rPr lang="en-US" sz="4000" dirty="0" smtClean="0"/>
-              <a:t>3</a:t>
-            </a:r>
-            <a:r>
-              <a:rPr lang="en-US" sz="4000" dirty="0" smtClean="0"/>
-              <a:t>)</a:t>
+              <a:t> (3)</a:t>
             </a:r>
             <a:endParaRPr lang="es-AR" sz="4000" dirty="0"/>
           </a:p>
@@ -29956,13 +29973,7 @@
               <a:rPr lang="en-US" dirty="0" smtClean="0">
                 <a:latin typeface="+mj-lt"/>
               </a:rPr>
-              <a:t> </a:t>
-            </a:r>
-            <a:r>
-              <a:rPr lang="en-US" dirty="0" smtClean="0">
-                <a:latin typeface="+mj-lt"/>
-              </a:rPr>
-              <a:t>de </a:t>
+              <a:t> de </a:t>
             </a:r>
             <a:r>
               <a:rPr lang="en-US" dirty="0" err="1" smtClean="0">
@@ -30246,7 +30257,7 @@
               <a:rPr lang="en-US" dirty="0" err="1" smtClean="0">
                 <a:latin typeface="+mj-lt"/>
               </a:rPr>
-              <a:t>Pronosticos</a:t>
+              <a:t>Pronósticos</a:t>
             </a:r>
             <a:r>
               <a:rPr lang="en-US" dirty="0" smtClean="0">
@@ -30282,13 +30293,19 @@
               <a:rPr lang="en-US" dirty="0" err="1" smtClean="0">
                 <a:latin typeface="+mj-lt"/>
               </a:rPr>
-              <a:t>traves</a:t>
+              <a:t>través</a:t>
             </a:r>
             <a:r>
               <a:rPr lang="en-US" dirty="0" smtClean="0">
                 <a:latin typeface="+mj-lt"/>
               </a:rPr>
-              <a:t> de internet.</a:t>
+              <a:t> </a:t>
+            </a:r>
+            <a:r>
+              <a:rPr lang="en-US" dirty="0" smtClean="0">
+                <a:latin typeface="+mj-lt"/>
+              </a:rPr>
+              <a:t>de internet.</a:t>
             </a:r>
           </a:p>
           <a:p>
@@ -30400,15 +30417,7 @@
             </a:r>
             <a:r>
               <a:rPr lang="en-US" sz="4300" dirty="0" smtClean="0"/>
-              <a:t> (</a:t>
-            </a:r>
-            <a:r>
-              <a:rPr lang="en-US" sz="4300" dirty="0" smtClean="0"/>
-              <a:t>4</a:t>
-            </a:r>
-            <a:r>
-              <a:rPr lang="en-US" sz="4300" dirty="0" smtClean="0"/>
-              <a:t>)</a:t>
+              <a:t> (4)</a:t>
             </a:r>
             <a:endParaRPr lang="es-AR" sz="4300" dirty="0"/>
           </a:p>
@@ -30444,9 +30453,6 @@
               </a:rPr>
               <a:t> (1):</a:t>
             </a:r>
-            <a:endParaRPr lang="en-US" dirty="0" smtClean="0">
-              <a:latin typeface="+mj-lt"/>
-            </a:endParaRPr>
           </a:p>
           <a:p>
             <a:pPr lvl="2"/>
@@ -30460,13 +30466,7 @@
               <a:rPr lang="en-US" dirty="0" smtClean="0">
                 <a:latin typeface="+mj-lt"/>
               </a:rPr>
-              <a:t> </a:t>
-            </a:r>
-            <a:r>
-              <a:rPr lang="en-US" dirty="0" smtClean="0">
-                <a:latin typeface="+mj-lt"/>
-              </a:rPr>
-              <a:t>de </a:t>
+              <a:t> de </a:t>
             </a:r>
             <a:r>
               <a:rPr lang="en-US" dirty="0" err="1" smtClean="0">
@@ -30821,9 +30821,6 @@
               </a:rPr>
               <a:t> (2):</a:t>
             </a:r>
-            <a:endParaRPr lang="en-US" dirty="0" smtClean="0">
-              <a:latin typeface="+mj-lt"/>
-            </a:endParaRPr>
           </a:p>
           <a:p>
             <a:pPr lvl="2"/>
@@ -31003,7 +31000,7 @@
               <a:rPr lang="en-US" dirty="0" err="1" smtClean="0">
                 <a:latin typeface="+mj-lt"/>
               </a:rPr>
-              <a:t>dia</a:t>
+              <a:t>día</a:t>
             </a:r>
             <a:endParaRPr lang="en-US" dirty="0" smtClean="0">
               <a:latin typeface="+mj-lt"/>
@@ -31150,13 +31147,19 @@
               <a:rPr lang="en-US" sz="2000" b="1" i="1" dirty="0" err="1" smtClean="0">
                 <a:latin typeface="+mj-lt"/>
               </a:rPr>
-              <a:t>Modelo</a:t>
+              <a:t>Modelos</a:t>
             </a:r>
             <a:r>
               <a:rPr lang="en-US" sz="2000" b="1" i="1" dirty="0" smtClean="0">
                 <a:latin typeface="+mj-lt"/>
               </a:rPr>
-              <a:t> de </a:t>
+              <a:t> </a:t>
+            </a:r>
+            <a:r>
+              <a:rPr lang="en-US" sz="2000" b="1" i="1" dirty="0" smtClean="0">
+                <a:latin typeface="+mj-lt"/>
+              </a:rPr>
+              <a:t>de </a:t>
             </a:r>
             <a:r>
               <a:rPr lang="en-US" sz="2000" b="1" i="1" dirty="0" err="1" smtClean="0">
@@ -32002,11 +32005,7 @@
             </a:br>
             <a:r>
               <a:rPr lang="es-ES_tradnl" dirty="0" smtClean="0"/>
-              <a:t>Contexto (</a:t>
-            </a:r>
-            <a:r>
-              <a:rPr lang="es-ES_tradnl" dirty="0" smtClean="0"/>
-              <a:t>2)</a:t>
+              <a:t>Contexto (2)</a:t>
             </a:r>
             <a:endParaRPr lang="es-AR" dirty="0"/>
           </a:p>
@@ -32062,13 +32061,19 @@
               <a:rPr lang="en-US" sz="2400" dirty="0" err="1" smtClean="0">
                 <a:latin typeface="+mj-lt"/>
               </a:rPr>
-              <a:t>Parametros</a:t>
+              <a:t>Parámetros</a:t>
             </a:r>
             <a:r>
               <a:rPr lang="en-US" sz="2400" dirty="0" smtClean="0">
                 <a:latin typeface="+mj-lt"/>
               </a:rPr>
-              <a:t> de </a:t>
+              <a:t> </a:t>
+            </a:r>
+            <a:r>
+              <a:rPr lang="en-US" sz="2400" dirty="0" smtClean="0">
+                <a:latin typeface="+mj-lt"/>
+              </a:rPr>
+              <a:t>de </a:t>
             </a:r>
             <a:r>
               <a:rPr lang="en-US" sz="2400" dirty="0" err="1" smtClean="0">
@@ -32143,11 +32148,7 @@
             </a:r>
             <a:r>
               <a:rPr lang="en-US" dirty="0" smtClean="0"/>
-              <a:t> (</a:t>
-            </a:r>
-            <a:r>
-              <a:rPr lang="en-US" dirty="0" smtClean="0"/>
-              <a:t>3)</a:t>
+              <a:t> (3)</a:t>
             </a:r>
             <a:br>
               <a:rPr lang="en-US" dirty="0" smtClean="0"/>
@@ -33234,7 +33235,7 @@
         <p:spPr>
           <a:xfrm>
             <a:off x="4572000" y="2357430"/>
-            <a:ext cx="4128374" cy="369332"/>
+            <a:ext cx="4008661" cy="369332"/>
           </a:xfrm>
           <a:prstGeom prst="rect">
             <a:avLst/>
@@ -33269,7 +33270,13 @@
               <a:rPr lang="en-US" dirty="0" smtClean="0">
                 <a:latin typeface="+mj-lt"/>
               </a:rPr>
-              <a:t> en la </a:t>
+              <a:t> </a:t>
+            </a:r>
+            <a:r>
+              <a:rPr lang="en-US" dirty="0" smtClean="0">
+                <a:latin typeface="+mj-lt"/>
+              </a:rPr>
+              <a:t>de la </a:t>
             </a:r>
             <a:r>
               <a:rPr lang="en-US" dirty="0" err="1" smtClean="0">
@@ -33810,11 +33817,7 @@
             </a:r>
             <a:r>
               <a:rPr lang="en-US" dirty="0" smtClean="0"/>
-              <a:t> </a:t>
-            </a:r>
-            <a:r>
-              <a:rPr lang="en-US" dirty="0" smtClean="0"/>
-              <a:t>(2)</a:t>
+              <a:t> (2)</a:t>
             </a:r>
             <a:endParaRPr lang="es-AR" dirty="0"/>
           </a:p>

--- a/neuralito/ArfGen/docs/Entregas/Informe Final/presentacion/esteban2.pptx
+++ b/neuralito/ArfGen/docs/Entregas/Informe Final/presentacion/esteban2.pptx
@@ -222,7 +222,7 @@
             <a:fld id="{CC836ABB-6633-4F2E-9CC4-347080E95772}" type="datetimeFigureOut">
               <a:rPr lang="es-ES" smtClean="0"/>
               <a:pPr/>
-              <a:t>25/08/2010</a:t>
+              <a:t>26/08/2010</a:t>
             </a:fld>
             <a:endParaRPr lang="es-ES"/>
           </a:p>
@@ -1748,7 +1748,7 @@
             <a:fld id="{47C9B81F-C347-4BEF-BFDF-29C42F48304A}" type="datetimeFigureOut">
               <a:rPr lang="en-US" smtClean="0"/>
               <a:pPr/>
-              <a:t>8/25/2010</a:t>
+              <a:t>8/26/2010</a:t>
             </a:fld>
             <a:endParaRPr lang="en-US"/>
           </a:p>
@@ -1915,7 +1915,7 @@
             <a:fld id="{47C9B81F-C347-4BEF-BFDF-29C42F48304A}" type="datetimeFigureOut">
               <a:rPr lang="en-US" smtClean="0"/>
               <a:pPr/>
-              <a:t>8/25/2010</a:t>
+              <a:t>8/26/2010</a:t>
             </a:fld>
             <a:endParaRPr lang="en-US"/>
           </a:p>
@@ -2092,7 +2092,7 @@
             <a:fld id="{47C9B81F-C347-4BEF-BFDF-29C42F48304A}" type="datetimeFigureOut">
               <a:rPr lang="en-US" smtClean="0"/>
               <a:pPr/>
-              <a:t>8/25/2010</a:t>
+              <a:t>8/26/2010</a:t>
             </a:fld>
             <a:endParaRPr lang="en-US"/>
           </a:p>
@@ -2259,7 +2259,7 @@
             <a:fld id="{47C9B81F-C347-4BEF-BFDF-29C42F48304A}" type="datetimeFigureOut">
               <a:rPr lang="en-US" smtClean="0"/>
               <a:pPr/>
-              <a:t>8/25/2010</a:t>
+              <a:t>8/26/2010</a:t>
             </a:fld>
             <a:endParaRPr lang="en-US"/>
           </a:p>
@@ -2503,7 +2503,7 @@
             <a:fld id="{47C9B81F-C347-4BEF-BFDF-29C42F48304A}" type="datetimeFigureOut">
               <a:rPr lang="en-US" smtClean="0"/>
               <a:pPr/>
-              <a:t>8/25/2010</a:t>
+              <a:t>8/26/2010</a:t>
             </a:fld>
             <a:endParaRPr lang="en-US"/>
           </a:p>
@@ -2769,7 +2769,7 @@
             <a:fld id="{47C9B81F-C347-4BEF-BFDF-29C42F48304A}" type="datetimeFigureOut">
               <a:rPr lang="en-US" smtClean="0"/>
               <a:pPr/>
-              <a:t>8/25/2010</a:t>
+              <a:t>8/26/2010</a:t>
             </a:fld>
             <a:endParaRPr lang="en-US"/>
           </a:p>
@@ -3149,7 +3149,7 @@
             <a:fld id="{47C9B81F-C347-4BEF-BFDF-29C42F48304A}" type="datetimeFigureOut">
               <a:rPr lang="en-US" smtClean="0"/>
               <a:pPr/>
-              <a:t>8/25/2010</a:t>
+              <a:t>8/26/2010</a:t>
             </a:fld>
             <a:endParaRPr lang="en-US"/>
           </a:p>
@@ -3301,7 +3301,7 @@
             <a:fld id="{47C9B81F-C347-4BEF-BFDF-29C42F48304A}" type="datetimeFigureOut">
               <a:rPr lang="en-US" smtClean="0"/>
               <a:pPr/>
-              <a:t>8/25/2010</a:t>
+              <a:t>8/26/2010</a:t>
             </a:fld>
             <a:endParaRPr lang="en-US"/>
           </a:p>
@@ -3393,7 +3393,7 @@
             <a:fld id="{47C9B81F-C347-4BEF-BFDF-29C42F48304A}" type="datetimeFigureOut">
               <a:rPr lang="en-US" smtClean="0"/>
               <a:pPr/>
-              <a:t>8/25/2010</a:t>
+              <a:t>8/26/2010</a:t>
             </a:fld>
             <a:endParaRPr lang="en-US"/>
           </a:p>
@@ -3656,7 +3656,7 @@
             <a:fld id="{47C9B81F-C347-4BEF-BFDF-29C42F48304A}" type="datetimeFigureOut">
               <a:rPr lang="en-US" smtClean="0"/>
               <a:pPr/>
-              <a:t>8/25/2010</a:t>
+              <a:t>8/26/2010</a:t>
             </a:fld>
             <a:endParaRPr lang="en-US"/>
           </a:p>
@@ -3946,7 +3946,7 @@
             <a:fld id="{47C9B81F-C347-4BEF-BFDF-29C42F48304A}" type="datetimeFigureOut">
               <a:rPr lang="en-US" smtClean="0"/>
               <a:pPr/>
-              <a:t>8/25/2010</a:t>
+              <a:t>8/26/2010</a:t>
             </a:fld>
             <a:endParaRPr lang="en-US"/>
           </a:p>
@@ -4719,7 +4719,7 @@
             <a:fld id="{47C9B81F-C347-4BEF-BFDF-29C42F48304A}" type="datetimeFigureOut">
               <a:rPr lang="en-US" smtClean="0"/>
               <a:pPr/>
-              <a:t>8/25/2010</a:t>
+              <a:t>8/26/2010</a:t>
             </a:fld>
             <a:endParaRPr lang="en-US" dirty="0">
               <a:solidFill>
@@ -5454,28 +5454,16 @@
               <a:rPr lang="en-US" sz="2400" dirty="0" smtClean="0">
                 <a:latin typeface="+mj-lt"/>
               </a:rPr>
-              <a:t> </a:t>
-            </a:r>
+              <a:t> Paolucci</a:t>
+            </a:r>
+          </a:p>
+          <a:p>
+            <a:pPr algn="r"/>
             <a:r>
               <a:rPr lang="en-US" sz="2400" dirty="0" smtClean="0">
                 <a:latin typeface="+mj-lt"/>
               </a:rPr>
-              <a:t>Paolucci</a:t>
-            </a:r>
-          </a:p>
-          <a:p>
-            <a:pPr algn="r"/>
-            <a:r>
-              <a:rPr lang="en-US" sz="2400" dirty="0" smtClean="0">
-                <a:latin typeface="+mj-lt"/>
-              </a:rPr>
-              <a:t>Esteban </a:t>
-            </a:r>
-            <a:r>
-              <a:rPr lang="en-US" sz="2400" dirty="0" smtClean="0">
-                <a:latin typeface="+mj-lt"/>
-              </a:rPr>
-              <a:t>Wagner</a:t>
+              <a:t>Esteban Wagner</a:t>
             </a:r>
           </a:p>
           <a:p>
@@ -8412,7 +8400,7 @@
         </p:nvGraphicFramePr>
         <p:xfrm>
           <a:off x="356922" y="4500570"/>
-          <a:ext cx="3715012" cy="1643076"/>
+          <a:ext cx="3929326" cy="1643076"/>
         </p:xfrm>
         <a:graphic>
           <a:graphicData uri="http://schemas.openxmlformats.org/drawingml/2006/table">
@@ -8421,11 +8409,11 @@
                 <a:tableStyleId>{5C22544A-7EE6-4342-B048-85BDC9FD1C3A}</a:tableStyleId>
               </a:tblPr>
               <a:tblGrid>
-                <a:gridCol w="903516"/>
-                <a:gridCol w="740851"/>
-                <a:gridCol w="740851"/>
-                <a:gridCol w="664897"/>
-                <a:gridCol w="664897"/>
+                <a:gridCol w="881475"/>
+                <a:gridCol w="833273"/>
+                <a:gridCol w="857256"/>
+                <a:gridCol w="636529"/>
+                <a:gridCol w="720793"/>
               </a:tblGrid>
               <a:tr h="410769">
                 <a:tc>
@@ -8457,6 +8445,12 @@
                         </a:rPr>
                         <a:t>Viento</a:t>
                       </a:r>
+                      <a:r>
+                        <a:rPr lang="en-US" sz="1200" dirty="0" smtClean="0">
+                          <a:latin typeface="+mj-lt"/>
+                        </a:rPr>
+                        <a:t>(D)</a:t>
+                      </a:r>
                       <a:endParaRPr lang="es-AR" sz="1200" dirty="0">
                         <a:latin typeface="+mj-lt"/>
                       </a:endParaRPr>
@@ -8474,6 +8468,12 @@
                           <a:latin typeface="+mj-lt"/>
                         </a:rPr>
                         <a:t>Viento</a:t>
+                      </a:r>
+                      <a:r>
+                        <a:rPr lang="en-US" sz="1200" dirty="0" smtClean="0">
+                          <a:latin typeface="+mj-lt"/>
+                        </a:rPr>
+                        <a:t>(V)</a:t>
                       </a:r>
                       <a:endParaRPr lang="es-AR" sz="1200" dirty="0">
                         <a:latin typeface="+mj-lt"/>
@@ -8870,6 +8870,12 @@
                         </a:rPr>
                         <a:t>Viento</a:t>
                       </a:r>
+                      <a:r>
+                        <a:rPr lang="en-US" sz="1200" dirty="0" smtClean="0">
+                          <a:latin typeface="+mj-lt"/>
+                        </a:rPr>
+                        <a:t>(D)</a:t>
+                      </a:r>
                       <a:endParaRPr lang="es-AR" sz="1200" dirty="0">
                         <a:latin typeface="+mj-lt"/>
                       </a:endParaRPr>
@@ -8887,6 +8893,12 @@
                           <a:latin typeface="+mj-lt"/>
                         </a:rPr>
                         <a:t>Viento</a:t>
+                      </a:r>
+                      <a:r>
+                        <a:rPr lang="en-US" sz="1200" dirty="0" smtClean="0">
+                          <a:latin typeface="+mj-lt"/>
+                        </a:rPr>
+                        <a:t>(V)</a:t>
                       </a:r>
                       <a:endParaRPr lang="es-AR" sz="1200" dirty="0">
                         <a:latin typeface="+mj-lt"/>
@@ -10392,7 +10404,7 @@
             </a:r>
             <a:r>
               <a:rPr lang="en-US" dirty="0" smtClean="0"/>
-              <a:t>(5)</a:t>
+              <a:t>(6)</a:t>
             </a:r>
             <a:endParaRPr lang="es-AR" dirty="0"/>
           </a:p>
@@ -12481,13 +12493,7 @@
                         <a:rPr lang="en-US" dirty="0" smtClean="0">
                           <a:latin typeface="+mj-lt"/>
                         </a:rPr>
-                        <a:t> en la </a:t>
-                      </a:r>
-                      <a:r>
-                        <a:rPr lang="en-US" dirty="0" smtClean="0">
-                          <a:latin typeface="+mj-lt"/>
-                        </a:rPr>
-                        <a:t>Playa X</a:t>
+                        <a:t> en la Playa X</a:t>
                       </a:r>
                       <a:endParaRPr lang="es-AR" dirty="0">
                         <a:latin typeface="+mj-lt"/>
